--- a/presentations/Colab.pptx
+++ b/presentations/Colab.pptx
@@ -336,7 +336,7 @@
               <a:pPr>
                 <a:defRPr/>
               </a:pPr>
-              <a:t>28/03/2021</a:t>
+              <a:t>05/04/2021</a:t>
             </a:fld>
             <a:endParaRPr lang="en-US"/>
           </a:p>
@@ -635,7 +635,7 @@
               <a:pPr>
                 <a:defRPr/>
               </a:pPr>
-              <a:t>28/03/2021</a:t>
+              <a:t>05/04/2021</a:t>
             </a:fld>
             <a:endParaRPr lang="es-ES"/>
           </a:p>
@@ -11645,163 +11645,6 @@
           </a:prstGeom>
         </p:spPr>
       </p:pic>
-      <p:sp>
-        <p:nvSpPr>
-          <p:cNvPr id="5" name="Rectángulo 4"/>
-          <p:cNvSpPr/>
-          <p:nvPr/>
-        </p:nvSpPr>
-        <p:spPr>
-          <a:xfrm>
-            <a:off x="2231232" y="4077072"/>
-            <a:ext cx="6912768" cy="1200329"/>
-          </a:xfrm>
-          <a:prstGeom prst="rect">
-            <a:avLst/>
-          </a:prstGeom>
-        </p:spPr>
-        <p:txBody>
-          <a:bodyPr wrap="square">
-            <a:spAutoFit/>
-          </a:bodyPr>
-          <a:lstStyle/>
-          <a:p>
-            <a:r>
-              <a:rPr lang="es-ES" dirty="0" err="1">
-                <a:hlinkClick r:id="rId4"/>
-              </a:rPr>
-              <a:t>computer</a:t>
-            </a:r>
-            <a:r>
-              <a:rPr lang="es-ES" dirty="0">
-                <a:hlinkClick r:id="rId4"/>
-              </a:rPr>
-              <a:t>-</a:t>
-            </a:r>
-            <a:r>
-              <a:rPr lang="es-ES" dirty="0" err="1">
-                <a:hlinkClick r:id="rId4"/>
-              </a:rPr>
-              <a:t>vision</a:t>
-            </a:r>
-            <a:r>
-              <a:rPr lang="es-ES" dirty="0">
-                <a:hlinkClick r:id="rId4"/>
-              </a:rPr>
-              <a:t>-and-</a:t>
-            </a:r>
-            <a:r>
-              <a:rPr lang="es-ES" dirty="0" err="1">
-                <a:hlinkClick r:id="rId4"/>
-              </a:rPr>
-              <a:t>deep</a:t>
-            </a:r>
-            <a:r>
-              <a:rPr lang="es-ES" dirty="0">
-                <a:hlinkClick r:id="rId4"/>
-              </a:rPr>
-              <a:t>-</a:t>
-            </a:r>
-            <a:r>
-              <a:rPr lang="es-ES" dirty="0" err="1">
-                <a:hlinkClick r:id="rId4"/>
-              </a:rPr>
-              <a:t>learning-course</a:t>
-            </a:r>
-            <a:r>
-              <a:rPr lang="es-ES" dirty="0">
-                <a:hlinkClick r:id="rId4"/>
-              </a:rPr>
-              <a:t>/</a:t>
-            </a:r>
-            <a:r>
-              <a:rPr lang="es-ES" dirty="0" err="1">
-                <a:hlinkClick r:id="rId4"/>
-              </a:rPr>
-              <a:t>notebooks_and_colab_introduction.ipynb</a:t>
-            </a:r>
-            <a:r>
-              <a:rPr lang="es-ES" dirty="0">
-                <a:hlinkClick r:id="rId4"/>
-              </a:rPr>
-              <a:t> at </a:t>
-            </a:r>
-            <a:r>
-              <a:rPr lang="es-ES" dirty="0" err="1">
-                <a:hlinkClick r:id="rId4"/>
-              </a:rPr>
-              <a:t>main</a:t>
-            </a:r>
-            <a:r>
-              <a:rPr lang="es-ES" dirty="0">
-                <a:hlinkClick r:id="rId4"/>
-              </a:rPr>
-              <a:t> · </a:t>
-            </a:r>
-            <a:r>
-              <a:rPr lang="es-ES" dirty="0" err="1">
-                <a:hlinkClick r:id="rId4"/>
-              </a:rPr>
-              <a:t>albertofernandezvillan</a:t>
-            </a:r>
-            <a:r>
-              <a:rPr lang="es-ES" dirty="0">
-                <a:hlinkClick r:id="rId4"/>
-              </a:rPr>
-              <a:t>/</a:t>
-            </a:r>
-            <a:r>
-              <a:rPr lang="es-ES" dirty="0" err="1">
-                <a:hlinkClick r:id="rId4"/>
-              </a:rPr>
-              <a:t>computer</a:t>
-            </a:r>
-            <a:r>
-              <a:rPr lang="es-ES" dirty="0">
-                <a:hlinkClick r:id="rId4"/>
-              </a:rPr>
-              <a:t>-</a:t>
-            </a:r>
-            <a:r>
-              <a:rPr lang="es-ES" dirty="0" err="1">
-                <a:hlinkClick r:id="rId4"/>
-              </a:rPr>
-              <a:t>vision</a:t>
-            </a:r>
-            <a:r>
-              <a:rPr lang="es-ES" dirty="0">
-                <a:hlinkClick r:id="rId4"/>
-              </a:rPr>
-              <a:t>-and-</a:t>
-            </a:r>
-            <a:r>
-              <a:rPr lang="es-ES" dirty="0" err="1">
-                <a:hlinkClick r:id="rId4"/>
-              </a:rPr>
-              <a:t>deep</a:t>
-            </a:r>
-            <a:r>
-              <a:rPr lang="es-ES" dirty="0">
-                <a:hlinkClick r:id="rId4"/>
-              </a:rPr>
-              <a:t>-</a:t>
-            </a:r>
-            <a:r>
-              <a:rPr lang="es-ES" dirty="0" err="1">
-                <a:hlinkClick r:id="rId4"/>
-              </a:rPr>
-              <a:t>learning-course</a:t>
-            </a:r>
-            <a:r>
-              <a:rPr lang="es-ES" dirty="0">
-                <a:hlinkClick r:id="rId4"/>
-              </a:rPr>
-              <a:t> (github.com)</a:t>
-            </a:r>
-            <a:endParaRPr lang="es-ES" dirty="0"/>
-          </a:p>
-        </p:txBody>
-      </p:sp>
       <p:pic>
         <p:nvPicPr>
           <p:cNvPr id="6" name="Imagen 5"/>
@@ -11811,7 +11654,7 @@
           <p:nvPr/>
         </p:nvPicPr>
         <p:blipFill>
-          <a:blip r:embed="rId5"/>
+          <a:blip r:embed="rId4"/>
           <a:stretch>
             <a:fillRect/>
           </a:stretch>
@@ -11835,7 +11678,7 @@
         <p:spPr>
           <a:xfrm>
             <a:off x="2247459" y="5531782"/>
-            <a:ext cx="5797152" cy="646331"/>
+            <a:ext cx="5797152" cy="369332"/>
           </a:xfrm>
           <a:prstGeom prst="rect">
             <a:avLst/>
@@ -11849,66 +11692,11 @@
           <a:p>
             <a:r>
               <a:rPr lang="es-ES" dirty="0" err="1">
-                <a:hlinkClick r:id="rId6"/>
+                <a:hlinkClick r:id="rId5"/>
               </a:rPr>
               <a:t>notebooks_and_colab_introduction.ipynb</a:t>
             </a:r>
-            <a:r>
-              <a:rPr lang="es-ES" dirty="0">
-                <a:hlinkClick r:id="rId6"/>
-              </a:rPr>
-              <a:t> - </a:t>
-            </a:r>
-            <a:r>
-              <a:rPr lang="es-ES" dirty="0" err="1">
-                <a:hlinkClick r:id="rId6"/>
-              </a:rPr>
-              <a:t>Colaboratory</a:t>
-            </a:r>
-            <a:r>
-              <a:rPr lang="es-ES" dirty="0">
-                <a:hlinkClick r:id="rId6"/>
-              </a:rPr>
-              <a:t> (google.com)</a:t>
-            </a:r>
             <a:endParaRPr lang="es-ES" dirty="0"/>
-          </a:p>
-        </p:txBody>
-      </p:sp>
-      <p:sp>
-        <p:nvSpPr>
-          <p:cNvPr id="8" name="Rectángulo 7"/>
-          <p:cNvSpPr/>
-          <p:nvPr/>
-        </p:nvSpPr>
-        <p:spPr>
-          <a:xfrm>
-            <a:off x="1371600" y="3300663"/>
-            <a:ext cx="5243936" cy="369332"/>
-          </a:xfrm>
-          <a:prstGeom prst="rect">
-            <a:avLst/>
-          </a:prstGeom>
-        </p:spPr>
-        <p:txBody>
-          <a:bodyPr wrap="none">
-            <a:spAutoFit/>
-          </a:bodyPr>
-          <a:lstStyle/>
-          <a:p>
-            <a:r>
-              <a:rPr lang="es-ES" b="1" dirty="0"/>
-              <a:t>Notebook: </a:t>
-            </a:r>
-            <a:r>
-              <a:rPr lang="es-ES" b="1" dirty="0" err="1"/>
-              <a:t>notebooks_and_colab_introduction.ipynb</a:t>
-            </a:r>
-            <a:r>
-              <a:rPr lang="es-ES" b="1" dirty="0"/>
-              <a:t> </a:t>
-            </a:r>
-            <a:endParaRPr lang="es-ES" b="1" dirty="0"/>
           </a:p>
         </p:txBody>
       </p:sp>
@@ -12009,7 +11797,7 @@
           <p:nvPr/>
         </p:nvPicPr>
         <p:blipFill>
-          <a:blip r:embed="rId7">
+          <a:blip r:embed="rId6">
             <a:extLst>
               <a:ext uri="{28A0092B-C50C-407E-A947-70E740481C1C}">
                 <a14:useLocalDpi xmlns:a14="http://schemas.microsoft.com/office/drawing/2010/main" val="0"/>
@@ -12030,6 +11818,37 @@
           </a:prstGeom>
         </p:spPr>
       </p:pic>
+      <p:sp>
+        <p:nvSpPr>
+          <p:cNvPr id="3" name="Rectángulo 2"/>
+          <p:cNvSpPr/>
+          <p:nvPr/>
+        </p:nvSpPr>
+        <p:spPr>
+          <a:xfrm>
+            <a:off x="2247459" y="4283379"/>
+            <a:ext cx="3930050" cy="369332"/>
+          </a:xfrm>
+          <a:prstGeom prst="rect">
+            <a:avLst/>
+          </a:prstGeom>
+        </p:spPr>
+        <p:txBody>
+          <a:bodyPr wrap="none">
+            <a:spAutoFit/>
+          </a:bodyPr>
+          <a:lstStyle/>
+          <a:p>
+            <a:r>
+              <a:rPr lang="es-ES" dirty="0" err="1">
+                <a:hlinkClick r:id="rId7"/>
+              </a:rPr>
+              <a:t>notebooks_and_colab_introduction.ipynb</a:t>
+            </a:r>
+            <a:endParaRPr lang="es-ES" dirty="0"/>
+          </a:p>
+        </p:txBody>
+      </p:sp>
     </p:spTree>
   </p:cSld>
   <p:clrMapOvr>
@@ -12448,9 +12267,6 @@
               </a:rPr>
               <a:t>tab. You can rename this new notebook</a:t>
             </a:r>
-            <a:endParaRPr lang="en-US" sz="2500" dirty="0" smtClean="0">
-              <a:latin typeface="+mn-lt"/>
-            </a:endParaRPr>
           </a:p>
           <a:p>
             <a:r>
@@ -12700,13 +12516,7 @@
               <a:rPr lang="en-US" sz="2200" dirty="0">
                 <a:latin typeface="+mn-lt"/>
               </a:rPr>
-              <a:t>Notebooks are composed of cells. </a:t>
-            </a:r>
-            <a:r>
-              <a:rPr lang="en-US" sz="2200" dirty="0">
-                <a:latin typeface="+mn-lt"/>
-              </a:rPr>
-              <a:t>There are two types of cells: code cells and text cells</a:t>
+              <a:t>Notebooks are composed of cells. There are two types of cells: code cells and text cells</a:t>
             </a:r>
             <a:r>
               <a:rPr lang="en-US" sz="2200" dirty="0" smtClean="0">
